--- a/Day9/DockerAndKubernetes_Training-Day9.pptx
+++ b/Day9/DockerAndKubernetes_Training-Day9.pptx
@@ -5,14 +5,12 @@
     <p:sldMasterId id="2147483880" r:id="rId1"/>
   </p:sldMasterIdLst>
   <p:notesMasterIdLst>
-    <p:notesMasterId r:id="rId7"/>
+    <p:notesMasterId r:id="rId5"/>
   </p:notesMasterIdLst>
   <p:sldIdLst>
     <p:sldId id="428" r:id="rId2"/>
     <p:sldId id="429" r:id="rId3"/>
-    <p:sldId id="266" r:id="rId4"/>
-    <p:sldId id="288" r:id="rId5"/>
-    <p:sldId id="441" r:id="rId6"/>
+    <p:sldId id="441" r:id="rId4"/>
   </p:sldIdLst>
   <p:sldSz cx="12192000" cy="6858000"/>
   <p:notesSz cx="6858000" cy="9144000"/>
@@ -467,6 +465,90 @@
     </a:lvl9pPr>
   </p:notesStyle>
 </p:notesMaster>
+</file>
+
+<file path=ppt/notesSlides/notesSlide1.xml><?xml version="1.0" encoding="utf-8"?>
+<p:notes xmlns:a="http://schemas.openxmlformats.org/drawingml/2006/main" xmlns:r="http://schemas.openxmlformats.org/officeDocument/2006/relationships" xmlns:p="http://schemas.openxmlformats.org/presentationml/2006/main">
+  <p:cSld>
+    <p:spTree>
+      <p:nvGrpSpPr>
+        <p:cNvPr id="1" name=""/>
+        <p:cNvGrpSpPr/>
+        <p:nvPr/>
+      </p:nvGrpSpPr>
+      <p:grpSpPr>
+        <a:xfrm>
+          <a:off x="0" y="0"/>
+          <a:ext cx="0" cy="0"/>
+          <a:chOff x="0" y="0"/>
+          <a:chExt cx="0" cy="0"/>
+        </a:xfrm>
+      </p:grpSpPr>
+      <p:sp>
+        <p:nvSpPr>
+          <p:cNvPr id="2" name="Slide Image Placeholder 1"/>
+          <p:cNvSpPr>
+            <a:spLocks noGrp="1" noRot="1" noChangeAspect="1"/>
+          </p:cNvSpPr>
+          <p:nvPr>
+            <p:ph type="sldImg"/>
+          </p:nvPr>
+        </p:nvSpPr>
+        <p:spPr/>
+      </p:sp>
+      <p:sp>
+        <p:nvSpPr>
+          <p:cNvPr id="3" name="Notes Placeholder 2"/>
+          <p:cNvSpPr>
+            <a:spLocks noGrp="1"/>
+          </p:cNvSpPr>
+          <p:nvPr>
+            <p:ph type="body" idx="1"/>
+          </p:nvPr>
+        </p:nvSpPr>
+        <p:spPr/>
+        <p:txBody>
+          <a:bodyPr/>
+          <a:lstStyle/>
+          <a:p>
+            <a:endParaRPr lang="en-IN" dirty="0"/>
+          </a:p>
+        </p:txBody>
+      </p:sp>
+      <p:sp>
+        <p:nvSpPr>
+          <p:cNvPr id="4" name="Slide Number Placeholder 3"/>
+          <p:cNvSpPr>
+            <a:spLocks noGrp="1"/>
+          </p:cNvSpPr>
+          <p:nvPr>
+            <p:ph type="sldNum" sz="quarter" idx="5"/>
+          </p:nvPr>
+        </p:nvSpPr>
+        <p:spPr/>
+        <p:txBody>
+          <a:bodyPr/>
+          <a:lstStyle/>
+          <a:p>
+            <a:fld id="{6A606295-A8FB-4F0B-A402-E245B71E1CAD}" type="slidenum">
+              <a:rPr lang="en-IN" smtClean="0"/>
+              <a:t>2</a:t>
+            </a:fld>
+            <a:endParaRPr lang="en-IN"/>
+          </a:p>
+        </p:txBody>
+      </p:sp>
+    </p:spTree>
+    <p:extLst>
+      <p:ext uri="{BB962C8B-B14F-4D97-AF65-F5344CB8AC3E}">
+        <p14:creationId xmlns:p14="http://schemas.microsoft.com/office/powerpoint/2010/main" val="164071523"/>
+      </p:ext>
+    </p:extLst>
+  </p:cSld>
+  <p:clrMapOvr>
+    <a:masterClrMapping/>
+  </p:clrMapOvr>
+</p:notes>
 </file>
 
 <file path=ppt/slideLayouts/slideLayout1.xml><?xml version="1.0" encoding="utf-8"?>
@@ -14049,35 +14131,6 @@
             </a:r>
           </a:p>
           <a:p>
-            <a:r>
-              <a:rPr lang="en-US" dirty="0" err="1"/>
-              <a:t>DockerFile</a:t>
-            </a:r>
-            <a:r>
-              <a:rPr lang="en-US" dirty="0"/>
-              <a:t> – Multi Stage build</a:t>
-            </a:r>
-          </a:p>
-          <a:p>
-            <a:r>
-              <a:rPr lang="en-US" dirty="0"/>
-              <a:t>Need of Docker Compose</a:t>
-            </a:r>
-          </a:p>
-          <a:p>
-            <a:r>
-              <a:rPr lang="en-US" dirty="0"/>
-              <a:t>Docker Compose file – Example/Brief</a:t>
-            </a:r>
-          </a:p>
-          <a:p>
-            <a:r>
-              <a:rPr lang="en-US"/>
-              <a:t>Docker Network</a:t>
-            </a:r>
-            <a:endParaRPr lang="en-US" dirty="0"/>
-          </a:p>
-          <a:p>
             <a:pPr marL="457200" lvl="1" indent="0">
               <a:buNone/>
             </a:pPr>
@@ -14113,1744 +14166,6 @@
 </file>
 
 <file path=ppt/slides/slide3.xml><?xml version="1.0" encoding="utf-8"?>
-<p:sld xmlns:a="http://schemas.openxmlformats.org/drawingml/2006/main" xmlns:r="http://schemas.openxmlformats.org/officeDocument/2006/relationships" xmlns:p="http://schemas.openxmlformats.org/presentationml/2006/main">
-  <p:cSld>
-    <p:spTree>
-      <p:nvGrpSpPr>
-        <p:cNvPr id="1" name=""/>
-        <p:cNvGrpSpPr/>
-        <p:nvPr/>
-      </p:nvGrpSpPr>
-      <p:grpSpPr>
-        <a:xfrm>
-          <a:off x="0" y="0"/>
-          <a:ext cx="0" cy="0"/>
-          <a:chOff x="0" y="0"/>
-          <a:chExt cx="0" cy="0"/>
-        </a:xfrm>
-      </p:grpSpPr>
-      <p:sp>
-        <p:nvSpPr>
-          <p:cNvPr id="2" name="Title 1">
-            <a:extLst>
-              <a:ext uri="{FF2B5EF4-FFF2-40B4-BE49-F238E27FC236}">
-                <a16:creationId xmlns:a16="http://schemas.microsoft.com/office/drawing/2014/main" id="{97BC34CC-2191-086A-75CD-07624340C7B3}"/>
-              </a:ext>
-            </a:extLst>
-          </p:cNvPr>
-          <p:cNvSpPr>
-            <a:spLocks noGrp="1"/>
-          </p:cNvSpPr>
-          <p:nvPr>
-            <p:ph type="title"/>
-          </p:nvPr>
-        </p:nvSpPr>
-        <p:spPr>
-          <a:xfrm>
-            <a:off x="1154953" y="973668"/>
-            <a:ext cx="9128734" cy="706964"/>
-          </a:xfrm>
-        </p:spPr>
-        <p:txBody>
-          <a:bodyPr>
-            <a:normAutofit/>
-          </a:bodyPr>
-          <a:lstStyle/>
-          <a:p>
-            <a:r>
-              <a:rPr lang="en-US" sz="2800" dirty="0"/>
-              <a:t>DOCKER COMPOSE – NEED OF ORCHESTRATION</a:t>
-            </a:r>
-            <a:endParaRPr lang="en-IN" sz="2800" dirty="0"/>
-          </a:p>
-        </p:txBody>
-      </p:sp>
-      <p:sp>
-        <p:nvSpPr>
-          <p:cNvPr id="3" name="Content Placeholder 2">
-            <a:extLst>
-              <a:ext uri="{FF2B5EF4-FFF2-40B4-BE49-F238E27FC236}">
-                <a16:creationId xmlns:a16="http://schemas.microsoft.com/office/drawing/2014/main" id="{5188517A-DD37-A765-9F25-8A87477F3848}"/>
-              </a:ext>
-            </a:extLst>
-          </p:cNvPr>
-          <p:cNvSpPr>
-            <a:spLocks noGrp="1"/>
-          </p:cNvSpPr>
-          <p:nvPr>
-            <p:ph idx="1"/>
-          </p:nvPr>
-        </p:nvSpPr>
-        <p:spPr>
-          <a:xfrm>
-            <a:off x="132524" y="2222776"/>
-            <a:ext cx="10429460" cy="706964"/>
-          </a:xfrm>
-        </p:spPr>
-        <p:txBody>
-          <a:bodyPr>
-            <a:noAutofit/>
-          </a:bodyPr>
-          <a:lstStyle/>
-          <a:p>
-            <a:r>
-              <a:rPr lang="en-US" sz="1400" dirty="0"/>
-              <a:t>Problems with standalone Docker Running a server cluster on a set of Docker containers, on a single Docker host is vulnerable to single point of failure !!!</a:t>
-            </a:r>
-            <a:endParaRPr lang="en-IN" sz="1400" dirty="0"/>
-          </a:p>
-        </p:txBody>
-      </p:sp>
-      <p:pic>
-        <p:nvPicPr>
-          <p:cNvPr id="4" name="Picture 3">
-            <a:extLst>
-              <a:ext uri="{FF2B5EF4-FFF2-40B4-BE49-F238E27FC236}">
-                <a16:creationId xmlns:a16="http://schemas.microsoft.com/office/drawing/2014/main" id="{883D2B19-66CF-4EB1-E5A5-4343F6B98C0F}"/>
-              </a:ext>
-            </a:extLst>
-          </p:cNvPr>
-          <p:cNvPicPr>
-            <a:picLocks noChangeAspect="1"/>
-          </p:cNvPicPr>
-          <p:nvPr/>
-        </p:nvPicPr>
-        <p:blipFill>
-          <a:blip r:embed="rId2">
-            <a:extLst>
-              <a:ext uri="{28A0092B-C50C-407E-A947-70E740481C1C}">
-                <a14:useLocalDpi xmlns:a14="http://schemas.microsoft.com/office/drawing/2010/main" val="0"/>
-              </a:ext>
-            </a:extLst>
-          </a:blip>
-          <a:stretch>
-            <a:fillRect/>
-          </a:stretch>
-        </p:blipFill>
-        <p:spPr>
-          <a:xfrm>
-            <a:off x="410817" y="3111682"/>
-            <a:ext cx="5486400" cy="3633675"/>
-          </a:xfrm>
-          <a:prstGeom prst="rect">
-            <a:avLst/>
-          </a:prstGeom>
-        </p:spPr>
-      </p:pic>
-      <p:pic>
-        <p:nvPicPr>
-          <p:cNvPr id="5" name="Picture 4">
-            <a:extLst>
-              <a:ext uri="{FF2B5EF4-FFF2-40B4-BE49-F238E27FC236}">
-                <a16:creationId xmlns:a16="http://schemas.microsoft.com/office/drawing/2014/main" id="{A4C80C9E-D7FA-95D1-6CCF-318749D2CF54}"/>
-              </a:ext>
-            </a:extLst>
-          </p:cNvPr>
-          <p:cNvPicPr>
-            <a:picLocks noChangeAspect="1"/>
-          </p:cNvPicPr>
-          <p:nvPr/>
-        </p:nvPicPr>
-        <p:blipFill>
-          <a:blip r:embed="rId3">
-            <a:extLst>
-              <a:ext uri="{28A0092B-C50C-407E-A947-70E740481C1C}">
-                <a14:useLocalDpi xmlns:a14="http://schemas.microsoft.com/office/drawing/2010/main" val="0"/>
-              </a:ext>
-            </a:extLst>
-          </a:blip>
-          <a:stretch>
-            <a:fillRect/>
-          </a:stretch>
-        </p:blipFill>
-        <p:spPr>
-          <a:xfrm>
-            <a:off x="6096000" y="3111682"/>
-            <a:ext cx="5963477" cy="3623589"/>
-          </a:xfrm>
-          <a:prstGeom prst="rect">
-            <a:avLst/>
-          </a:prstGeom>
-        </p:spPr>
-      </p:pic>
-      <p:pic>
-        <p:nvPicPr>
-          <p:cNvPr id="6" name="Picture 5">
-            <a:extLst>
-              <a:ext uri="{FF2B5EF4-FFF2-40B4-BE49-F238E27FC236}">
-                <a16:creationId xmlns:a16="http://schemas.microsoft.com/office/drawing/2014/main" id="{97CF575D-AAD9-658A-4EA8-443237AB3ED2}"/>
-              </a:ext>
-            </a:extLst>
-          </p:cNvPr>
-          <p:cNvPicPr>
-            <a:picLocks noChangeAspect="1"/>
-          </p:cNvPicPr>
-          <p:nvPr/>
-        </p:nvPicPr>
-        <p:blipFill>
-          <a:blip r:embed="rId4">
-            <a:extLst>
-              <a:ext uri="{28A0092B-C50C-407E-A947-70E740481C1C}">
-                <a14:useLocalDpi xmlns:a14="http://schemas.microsoft.com/office/drawing/2010/main" val="0"/>
-              </a:ext>
-            </a:extLst>
-          </a:blip>
-          <a:stretch>
-            <a:fillRect/>
-          </a:stretch>
-        </p:blipFill>
-        <p:spPr>
-          <a:xfrm>
-            <a:off x="10442712" y="1881809"/>
-            <a:ext cx="1749287" cy="1229873"/>
-          </a:xfrm>
-          <a:prstGeom prst="rect">
-            <a:avLst/>
-          </a:prstGeom>
-        </p:spPr>
-      </p:pic>
-    </p:spTree>
-    <p:extLst>
-      <p:ext uri="{BB962C8B-B14F-4D97-AF65-F5344CB8AC3E}">
-        <p14:creationId xmlns:p14="http://schemas.microsoft.com/office/powerpoint/2010/main" val="3389861919"/>
-      </p:ext>
-    </p:extLst>
-  </p:cSld>
-  <p:clrMapOvr>
-    <a:masterClrMapping/>
-  </p:clrMapOvr>
-  <p:timing>
-    <p:tnLst>
-      <p:par>
-        <p:cTn id="1" dur="indefinite" restart="never" nodeType="tmRoot">
-          <p:childTnLst>
-            <p:seq concurrent="1" nextAc="seek">
-              <p:cTn id="2" dur="indefinite" nodeType="mainSeq">
-                <p:childTnLst>
-                  <p:par>
-                    <p:cTn id="3" fill="hold">
-                      <p:stCondLst>
-                        <p:cond delay="indefinite"/>
-                      </p:stCondLst>
-                      <p:childTnLst>
-                        <p:par>
-                          <p:cTn id="4" fill="hold">
-                            <p:stCondLst>
-                              <p:cond delay="0"/>
-                            </p:stCondLst>
-                            <p:childTnLst>
-                              <p:par>
-                                <p:cTn id="5" presetID="2" presetClass="entr" presetSubtype="4" fill="hold" grpId="0" nodeType="clickEffect">
-                                  <p:stCondLst>
-                                    <p:cond delay="0"/>
-                                  </p:stCondLst>
-                                  <p:childTnLst>
-                                    <p:set>
-                                      <p:cBhvr>
-                                        <p:cTn id="6" dur="1" fill="hold">
-                                          <p:stCondLst>
-                                            <p:cond delay="0"/>
-                                          </p:stCondLst>
-                                        </p:cTn>
-                                        <p:tgtEl>
-                                          <p:spTgt spid="2"/>
-                                        </p:tgtEl>
-                                        <p:attrNameLst>
-                                          <p:attrName>style.visibility</p:attrName>
-                                        </p:attrNameLst>
-                                      </p:cBhvr>
-                                      <p:to>
-                                        <p:strVal val="visible"/>
-                                      </p:to>
-                                    </p:set>
-                                    <p:anim calcmode="lin" valueType="num">
-                                      <p:cBhvr additive="base">
-                                        <p:cTn id="7" dur="500" fill="hold"/>
-                                        <p:tgtEl>
-                                          <p:spTgt spid="2"/>
-                                        </p:tgtEl>
-                                        <p:attrNameLst>
-                                          <p:attrName>ppt_x</p:attrName>
-                                        </p:attrNameLst>
-                                      </p:cBhvr>
-                                      <p:tavLst>
-                                        <p:tav tm="0">
-                                          <p:val>
-                                            <p:strVal val="#ppt_x"/>
-                                          </p:val>
-                                        </p:tav>
-                                        <p:tav tm="100000">
-                                          <p:val>
-                                            <p:strVal val="#ppt_x"/>
-                                          </p:val>
-                                        </p:tav>
-                                      </p:tavLst>
-                                    </p:anim>
-                                    <p:anim calcmode="lin" valueType="num">
-                                      <p:cBhvr additive="base">
-                                        <p:cTn id="8" dur="500" fill="hold"/>
-                                        <p:tgtEl>
-                                          <p:spTgt spid="2"/>
-                                        </p:tgtEl>
-                                        <p:attrNameLst>
-                                          <p:attrName>ppt_y</p:attrName>
-                                        </p:attrNameLst>
-                                      </p:cBhvr>
-                                      <p:tavLst>
-                                        <p:tav tm="0">
-                                          <p:val>
-                                            <p:strVal val="1+#ppt_h/2"/>
-                                          </p:val>
-                                        </p:tav>
-                                        <p:tav tm="100000">
-                                          <p:val>
-                                            <p:strVal val="#ppt_y"/>
-                                          </p:val>
-                                        </p:tav>
-                                      </p:tavLst>
-                                    </p:anim>
-                                  </p:childTnLst>
-                                </p:cTn>
-                              </p:par>
-                            </p:childTnLst>
-                          </p:cTn>
-                        </p:par>
-                      </p:childTnLst>
-                    </p:cTn>
-                  </p:par>
-                  <p:par>
-                    <p:cTn id="9" fill="hold">
-                      <p:stCondLst>
-                        <p:cond delay="indefinite"/>
-                      </p:stCondLst>
-                      <p:childTnLst>
-                        <p:par>
-                          <p:cTn id="10" fill="hold">
-                            <p:stCondLst>
-                              <p:cond delay="0"/>
-                            </p:stCondLst>
-                            <p:childTnLst>
-                              <p:par>
-                                <p:cTn id="11" presetID="42" presetClass="entr" presetSubtype="0" fill="hold" grpId="0" nodeType="clickEffect">
-                                  <p:stCondLst>
-                                    <p:cond delay="0"/>
-                                  </p:stCondLst>
-                                  <p:childTnLst>
-                                    <p:set>
-                                      <p:cBhvr>
-                                        <p:cTn id="12" dur="1" fill="hold">
-                                          <p:stCondLst>
-                                            <p:cond delay="0"/>
-                                          </p:stCondLst>
-                                        </p:cTn>
-                                        <p:tgtEl>
-                                          <p:spTgt spid="3">
-                                            <p:txEl>
-                                              <p:pRg st="0" end="0"/>
-                                            </p:txEl>
-                                          </p:spTgt>
-                                        </p:tgtEl>
-                                        <p:attrNameLst>
-                                          <p:attrName>style.visibility</p:attrName>
-                                        </p:attrNameLst>
-                                      </p:cBhvr>
-                                      <p:to>
-                                        <p:strVal val="visible"/>
-                                      </p:to>
-                                    </p:set>
-                                    <p:animEffect transition="in" filter="fade">
-                                      <p:cBhvr>
-                                        <p:cTn id="13" dur="1000"/>
-                                        <p:tgtEl>
-                                          <p:spTgt spid="3">
-                                            <p:txEl>
-                                              <p:pRg st="0" end="0"/>
-                                            </p:txEl>
-                                          </p:spTgt>
-                                        </p:tgtEl>
-                                      </p:cBhvr>
-                                    </p:animEffect>
-                                    <p:anim calcmode="lin" valueType="num">
-                                      <p:cBhvr>
-                                        <p:cTn id="14" dur="1000" fill="hold"/>
-                                        <p:tgtEl>
-                                          <p:spTgt spid="3">
-                                            <p:txEl>
-                                              <p:pRg st="0" end="0"/>
-                                            </p:txEl>
-                                          </p:spTgt>
-                                        </p:tgtEl>
-                                        <p:attrNameLst>
-                                          <p:attrName>ppt_x</p:attrName>
-                                        </p:attrNameLst>
-                                      </p:cBhvr>
-                                      <p:tavLst>
-                                        <p:tav tm="0">
-                                          <p:val>
-                                            <p:strVal val="#ppt_x"/>
-                                          </p:val>
-                                        </p:tav>
-                                        <p:tav tm="100000">
-                                          <p:val>
-                                            <p:strVal val="#ppt_x"/>
-                                          </p:val>
-                                        </p:tav>
-                                      </p:tavLst>
-                                    </p:anim>
-                                    <p:anim calcmode="lin" valueType="num">
-                                      <p:cBhvr>
-                                        <p:cTn id="15" dur="1000" fill="hold"/>
-                                        <p:tgtEl>
-                                          <p:spTgt spid="3">
-                                            <p:txEl>
-                                              <p:pRg st="0" end="0"/>
-                                            </p:txEl>
-                                          </p:spTgt>
-                                        </p:tgtEl>
-                                        <p:attrNameLst>
-                                          <p:attrName>ppt_y</p:attrName>
-                                        </p:attrNameLst>
-                                      </p:cBhvr>
-                                      <p:tavLst>
-                                        <p:tav tm="0">
-                                          <p:val>
-                                            <p:strVal val="#ppt_y+.1"/>
-                                          </p:val>
-                                        </p:tav>
-                                        <p:tav tm="100000">
-                                          <p:val>
-                                            <p:strVal val="#ppt_y"/>
-                                          </p:val>
-                                        </p:tav>
-                                      </p:tavLst>
-                                    </p:anim>
-                                  </p:childTnLst>
-                                </p:cTn>
-                              </p:par>
-                            </p:childTnLst>
-                          </p:cTn>
-                        </p:par>
-                      </p:childTnLst>
-                    </p:cTn>
-                  </p:par>
-                  <p:par>
-                    <p:cTn id="16" fill="hold">
-                      <p:stCondLst>
-                        <p:cond delay="indefinite"/>
-                      </p:stCondLst>
-                      <p:childTnLst>
-                        <p:par>
-                          <p:cTn id="17" fill="hold">
-                            <p:stCondLst>
-                              <p:cond delay="0"/>
-                            </p:stCondLst>
-                            <p:childTnLst>
-                              <p:par>
-                                <p:cTn id="18" presetID="42" presetClass="entr" presetSubtype="0" fill="hold" nodeType="clickEffect">
-                                  <p:stCondLst>
-                                    <p:cond delay="0"/>
-                                  </p:stCondLst>
-                                  <p:childTnLst>
-                                    <p:set>
-                                      <p:cBhvr>
-                                        <p:cTn id="19" dur="1" fill="hold">
-                                          <p:stCondLst>
-                                            <p:cond delay="0"/>
-                                          </p:stCondLst>
-                                        </p:cTn>
-                                        <p:tgtEl>
-                                          <p:spTgt spid="6"/>
-                                        </p:tgtEl>
-                                        <p:attrNameLst>
-                                          <p:attrName>style.visibility</p:attrName>
-                                        </p:attrNameLst>
-                                      </p:cBhvr>
-                                      <p:to>
-                                        <p:strVal val="visible"/>
-                                      </p:to>
-                                    </p:set>
-                                    <p:animEffect transition="in" filter="fade">
-                                      <p:cBhvr>
-                                        <p:cTn id="20" dur="1000"/>
-                                        <p:tgtEl>
-                                          <p:spTgt spid="6"/>
-                                        </p:tgtEl>
-                                      </p:cBhvr>
-                                    </p:animEffect>
-                                    <p:anim calcmode="lin" valueType="num">
-                                      <p:cBhvr>
-                                        <p:cTn id="21" dur="1000" fill="hold"/>
-                                        <p:tgtEl>
-                                          <p:spTgt spid="6"/>
-                                        </p:tgtEl>
-                                        <p:attrNameLst>
-                                          <p:attrName>ppt_x</p:attrName>
-                                        </p:attrNameLst>
-                                      </p:cBhvr>
-                                      <p:tavLst>
-                                        <p:tav tm="0">
-                                          <p:val>
-                                            <p:strVal val="#ppt_x"/>
-                                          </p:val>
-                                        </p:tav>
-                                        <p:tav tm="100000">
-                                          <p:val>
-                                            <p:strVal val="#ppt_x"/>
-                                          </p:val>
-                                        </p:tav>
-                                      </p:tavLst>
-                                    </p:anim>
-                                    <p:anim calcmode="lin" valueType="num">
-                                      <p:cBhvr>
-                                        <p:cTn id="22" dur="1000" fill="hold"/>
-                                        <p:tgtEl>
-                                          <p:spTgt spid="6"/>
-                                        </p:tgtEl>
-                                        <p:attrNameLst>
-                                          <p:attrName>ppt_y</p:attrName>
-                                        </p:attrNameLst>
-                                      </p:cBhvr>
-                                      <p:tavLst>
-                                        <p:tav tm="0">
-                                          <p:val>
-                                            <p:strVal val="#ppt_y+.1"/>
-                                          </p:val>
-                                        </p:tav>
-                                        <p:tav tm="100000">
-                                          <p:val>
-                                            <p:strVal val="#ppt_y"/>
-                                          </p:val>
-                                        </p:tav>
-                                      </p:tavLst>
-                                    </p:anim>
-                                  </p:childTnLst>
-                                </p:cTn>
-                              </p:par>
-                            </p:childTnLst>
-                          </p:cTn>
-                        </p:par>
-                      </p:childTnLst>
-                    </p:cTn>
-                  </p:par>
-                  <p:par>
-                    <p:cTn id="23" fill="hold">
-                      <p:stCondLst>
-                        <p:cond delay="indefinite"/>
-                      </p:stCondLst>
-                      <p:childTnLst>
-                        <p:par>
-                          <p:cTn id="24" fill="hold">
-                            <p:stCondLst>
-                              <p:cond delay="0"/>
-                            </p:stCondLst>
-                            <p:childTnLst>
-                              <p:par>
-                                <p:cTn id="25" presetID="42" presetClass="entr" presetSubtype="0" fill="hold" nodeType="clickEffect">
-                                  <p:stCondLst>
-                                    <p:cond delay="0"/>
-                                  </p:stCondLst>
-                                  <p:childTnLst>
-                                    <p:set>
-                                      <p:cBhvr>
-                                        <p:cTn id="26" dur="1" fill="hold">
-                                          <p:stCondLst>
-                                            <p:cond delay="0"/>
-                                          </p:stCondLst>
-                                        </p:cTn>
-                                        <p:tgtEl>
-                                          <p:spTgt spid="4"/>
-                                        </p:tgtEl>
-                                        <p:attrNameLst>
-                                          <p:attrName>style.visibility</p:attrName>
-                                        </p:attrNameLst>
-                                      </p:cBhvr>
-                                      <p:to>
-                                        <p:strVal val="visible"/>
-                                      </p:to>
-                                    </p:set>
-                                    <p:animEffect transition="in" filter="fade">
-                                      <p:cBhvr>
-                                        <p:cTn id="27" dur="1000"/>
-                                        <p:tgtEl>
-                                          <p:spTgt spid="4"/>
-                                        </p:tgtEl>
-                                      </p:cBhvr>
-                                    </p:animEffect>
-                                    <p:anim calcmode="lin" valueType="num">
-                                      <p:cBhvr>
-                                        <p:cTn id="28" dur="1000" fill="hold"/>
-                                        <p:tgtEl>
-                                          <p:spTgt spid="4"/>
-                                        </p:tgtEl>
-                                        <p:attrNameLst>
-                                          <p:attrName>ppt_x</p:attrName>
-                                        </p:attrNameLst>
-                                      </p:cBhvr>
-                                      <p:tavLst>
-                                        <p:tav tm="0">
-                                          <p:val>
-                                            <p:strVal val="#ppt_x"/>
-                                          </p:val>
-                                        </p:tav>
-                                        <p:tav tm="100000">
-                                          <p:val>
-                                            <p:strVal val="#ppt_x"/>
-                                          </p:val>
-                                        </p:tav>
-                                      </p:tavLst>
-                                    </p:anim>
-                                    <p:anim calcmode="lin" valueType="num">
-                                      <p:cBhvr>
-                                        <p:cTn id="29" dur="1000" fill="hold"/>
-                                        <p:tgtEl>
-                                          <p:spTgt spid="4"/>
-                                        </p:tgtEl>
-                                        <p:attrNameLst>
-                                          <p:attrName>ppt_y</p:attrName>
-                                        </p:attrNameLst>
-                                      </p:cBhvr>
-                                      <p:tavLst>
-                                        <p:tav tm="0">
-                                          <p:val>
-                                            <p:strVal val="#ppt_y+.1"/>
-                                          </p:val>
-                                        </p:tav>
-                                        <p:tav tm="100000">
-                                          <p:val>
-                                            <p:strVal val="#ppt_y"/>
-                                          </p:val>
-                                        </p:tav>
-                                      </p:tavLst>
-                                    </p:anim>
-                                  </p:childTnLst>
-                                </p:cTn>
-                              </p:par>
-                            </p:childTnLst>
-                          </p:cTn>
-                        </p:par>
-                      </p:childTnLst>
-                    </p:cTn>
-                  </p:par>
-                  <p:par>
-                    <p:cTn id="30" fill="hold">
-                      <p:stCondLst>
-                        <p:cond delay="indefinite"/>
-                      </p:stCondLst>
-                      <p:childTnLst>
-                        <p:par>
-                          <p:cTn id="31" fill="hold">
-                            <p:stCondLst>
-                              <p:cond delay="0"/>
-                            </p:stCondLst>
-                            <p:childTnLst>
-                              <p:par>
-                                <p:cTn id="32" presetID="42" presetClass="entr" presetSubtype="0" fill="hold" nodeType="clickEffect">
-                                  <p:stCondLst>
-                                    <p:cond delay="0"/>
-                                  </p:stCondLst>
-                                  <p:childTnLst>
-                                    <p:set>
-                                      <p:cBhvr>
-                                        <p:cTn id="33" dur="1" fill="hold">
-                                          <p:stCondLst>
-                                            <p:cond delay="0"/>
-                                          </p:stCondLst>
-                                        </p:cTn>
-                                        <p:tgtEl>
-                                          <p:spTgt spid="5"/>
-                                        </p:tgtEl>
-                                        <p:attrNameLst>
-                                          <p:attrName>style.visibility</p:attrName>
-                                        </p:attrNameLst>
-                                      </p:cBhvr>
-                                      <p:to>
-                                        <p:strVal val="visible"/>
-                                      </p:to>
-                                    </p:set>
-                                    <p:animEffect transition="in" filter="fade">
-                                      <p:cBhvr>
-                                        <p:cTn id="34" dur="1000"/>
-                                        <p:tgtEl>
-                                          <p:spTgt spid="5"/>
-                                        </p:tgtEl>
-                                      </p:cBhvr>
-                                    </p:animEffect>
-                                    <p:anim calcmode="lin" valueType="num">
-                                      <p:cBhvr>
-                                        <p:cTn id="35" dur="1000" fill="hold"/>
-                                        <p:tgtEl>
-                                          <p:spTgt spid="5"/>
-                                        </p:tgtEl>
-                                        <p:attrNameLst>
-                                          <p:attrName>ppt_x</p:attrName>
-                                        </p:attrNameLst>
-                                      </p:cBhvr>
-                                      <p:tavLst>
-                                        <p:tav tm="0">
-                                          <p:val>
-                                            <p:strVal val="#ppt_x"/>
-                                          </p:val>
-                                        </p:tav>
-                                        <p:tav tm="100000">
-                                          <p:val>
-                                            <p:strVal val="#ppt_x"/>
-                                          </p:val>
-                                        </p:tav>
-                                      </p:tavLst>
-                                    </p:anim>
-                                    <p:anim calcmode="lin" valueType="num">
-                                      <p:cBhvr>
-                                        <p:cTn id="36" dur="1000" fill="hold"/>
-                                        <p:tgtEl>
-                                          <p:spTgt spid="5"/>
-                                        </p:tgtEl>
-                                        <p:attrNameLst>
-                                          <p:attrName>ppt_y</p:attrName>
-                                        </p:attrNameLst>
-                                      </p:cBhvr>
-                                      <p:tavLst>
-                                        <p:tav tm="0">
-                                          <p:val>
-                                            <p:strVal val="#ppt_y+.1"/>
-                                          </p:val>
-                                        </p:tav>
-                                        <p:tav tm="100000">
-                                          <p:val>
-                                            <p:strVal val="#ppt_y"/>
-                                          </p:val>
-                                        </p:tav>
-                                      </p:tavLst>
-                                    </p:anim>
-                                  </p:childTnLst>
-                                </p:cTn>
-                              </p:par>
-                            </p:childTnLst>
-                          </p:cTn>
-                        </p:par>
-                      </p:childTnLst>
-                    </p:cTn>
-                  </p:par>
-                </p:childTnLst>
-              </p:cTn>
-              <p:prevCondLst>
-                <p:cond evt="onPrev" delay="0">
-                  <p:tgtEl>
-                    <p:sldTgt/>
-                  </p:tgtEl>
-                </p:cond>
-              </p:prevCondLst>
-              <p:nextCondLst>
-                <p:cond evt="onNext" delay="0">
-                  <p:tgtEl>
-                    <p:sldTgt/>
-                  </p:tgtEl>
-                </p:cond>
-              </p:nextCondLst>
-            </p:seq>
-          </p:childTnLst>
-        </p:cTn>
-      </p:par>
-    </p:tnLst>
-    <p:bldLst>
-      <p:bldP spid="2" grpId="0"/>
-      <p:bldP spid="3" grpId="0" build="p"/>
-    </p:bldLst>
-  </p:timing>
-</p:sld>
-</file>
-
-<file path=ppt/slides/slide4.xml><?xml version="1.0" encoding="utf-8"?>
-<p:sld xmlns:a="http://schemas.openxmlformats.org/drawingml/2006/main" xmlns:r="http://schemas.openxmlformats.org/officeDocument/2006/relationships" xmlns:p="http://schemas.openxmlformats.org/presentationml/2006/main">
-  <p:cSld>
-    <p:spTree>
-      <p:nvGrpSpPr>
-        <p:cNvPr id="1" name=""/>
-        <p:cNvGrpSpPr/>
-        <p:nvPr/>
-      </p:nvGrpSpPr>
-      <p:grpSpPr>
-        <a:xfrm>
-          <a:off x="0" y="0"/>
-          <a:ext cx="0" cy="0"/>
-          <a:chOff x="0" y="0"/>
-          <a:chExt cx="0" cy="0"/>
-        </a:xfrm>
-      </p:grpSpPr>
-      <p:sp>
-        <p:nvSpPr>
-          <p:cNvPr id="2" name="Title 1">
-            <a:extLst>
-              <a:ext uri="{FF2B5EF4-FFF2-40B4-BE49-F238E27FC236}">
-                <a16:creationId xmlns:a16="http://schemas.microsoft.com/office/drawing/2014/main" id="{97BC34CC-2191-086A-75CD-07624340C7B3}"/>
-              </a:ext>
-            </a:extLst>
-          </p:cNvPr>
-          <p:cNvSpPr>
-            <a:spLocks noGrp="1"/>
-          </p:cNvSpPr>
-          <p:nvPr>
-            <p:ph type="title"/>
-          </p:nvPr>
-        </p:nvSpPr>
-        <p:spPr>
-          <a:xfrm>
-            <a:off x="1154953" y="973668"/>
-            <a:ext cx="9128734" cy="706964"/>
-          </a:xfrm>
-        </p:spPr>
-        <p:txBody>
-          <a:bodyPr>
-            <a:normAutofit/>
-          </a:bodyPr>
-          <a:lstStyle/>
-          <a:p>
-            <a:r>
-              <a:rPr lang="en-US" dirty="0"/>
-              <a:t>DOCKER COMPOSE</a:t>
-            </a:r>
-            <a:endParaRPr lang="en-IN" dirty="0"/>
-          </a:p>
-        </p:txBody>
-      </p:sp>
-      <p:sp>
-        <p:nvSpPr>
-          <p:cNvPr id="3" name="Content Placeholder 2">
-            <a:extLst>
-              <a:ext uri="{FF2B5EF4-FFF2-40B4-BE49-F238E27FC236}">
-                <a16:creationId xmlns:a16="http://schemas.microsoft.com/office/drawing/2014/main" id="{5188517A-DD37-A765-9F25-8A87477F3848}"/>
-              </a:ext>
-            </a:extLst>
-          </p:cNvPr>
-          <p:cNvSpPr>
-            <a:spLocks noGrp="1"/>
-          </p:cNvSpPr>
-          <p:nvPr>
-            <p:ph idx="1"/>
-          </p:nvPr>
-        </p:nvSpPr>
-        <p:spPr>
-          <a:xfrm>
-            <a:off x="404336" y="2179431"/>
-            <a:ext cx="8761412" cy="3416300"/>
-          </a:xfrm>
-        </p:spPr>
-        <p:txBody>
-          <a:bodyPr/>
-          <a:lstStyle/>
-          <a:p>
-            <a:r>
-              <a:rPr lang="en-US" sz="1400" dirty="0">
-                <a:solidFill>
-                  <a:srgbClr val="31859C"/>
-                </a:solidFill>
-              </a:rPr>
-              <a:t>Tool for defining and running multi-container</a:t>
-            </a:r>
-          </a:p>
-          <a:p>
-            <a:r>
-              <a:rPr lang="en-US" sz="1400" dirty="0">
-                <a:solidFill>
-                  <a:srgbClr val="31859C"/>
-                </a:solidFill>
-              </a:rPr>
-              <a:t>applications with Docker in a single file</a:t>
-            </a:r>
-          </a:p>
-          <a:p>
-            <a:r>
-              <a:rPr lang="en-US" sz="1400" dirty="0">
-                <a:solidFill>
-                  <a:srgbClr val="31859C"/>
-                </a:solidFill>
-              </a:rPr>
-              <a:t>Fast, isolated development environments using Docker.</a:t>
-            </a:r>
-          </a:p>
-          <a:p>
-            <a:r>
-              <a:rPr lang="en-US" sz="1400" dirty="0">
-                <a:solidFill>
-                  <a:srgbClr val="31859C"/>
-                </a:solidFill>
-              </a:rPr>
-              <a:t>Quick and easy to start</a:t>
-            </a:r>
-          </a:p>
-          <a:p>
-            <a:endParaRPr lang="en-IN" dirty="0"/>
-          </a:p>
-        </p:txBody>
-      </p:sp>
-      <p:pic>
-        <p:nvPicPr>
-          <p:cNvPr id="8" name="Picture 7">
-            <a:extLst>
-              <a:ext uri="{FF2B5EF4-FFF2-40B4-BE49-F238E27FC236}">
-                <a16:creationId xmlns:a16="http://schemas.microsoft.com/office/drawing/2014/main" id="{7FFE4B8D-5615-A5B7-0D32-8038948A5205}"/>
-              </a:ext>
-            </a:extLst>
-          </p:cNvPr>
-          <p:cNvPicPr>
-            <a:picLocks noChangeAspect="1"/>
-          </p:cNvPicPr>
-          <p:nvPr/>
-        </p:nvPicPr>
-        <p:blipFill>
-          <a:blip r:embed="rId2">
-            <a:extLst>
-              <a:ext uri="{28A0092B-C50C-407E-A947-70E740481C1C}">
-                <a14:useLocalDpi xmlns:a14="http://schemas.microsoft.com/office/drawing/2010/main" val="0"/>
-              </a:ext>
-            </a:extLst>
-          </a:blip>
-          <a:stretch>
-            <a:fillRect/>
-          </a:stretch>
-        </p:blipFill>
-        <p:spPr>
-          <a:xfrm>
-            <a:off x="144050" y="3577259"/>
-            <a:ext cx="6884360" cy="3280741"/>
-          </a:xfrm>
-          <a:prstGeom prst="rect">
-            <a:avLst/>
-          </a:prstGeom>
-        </p:spPr>
-      </p:pic>
-      <p:pic>
-        <p:nvPicPr>
-          <p:cNvPr id="10" name="Picture 9">
-            <a:extLst>
-              <a:ext uri="{FF2B5EF4-FFF2-40B4-BE49-F238E27FC236}">
-                <a16:creationId xmlns:a16="http://schemas.microsoft.com/office/drawing/2014/main" id="{F299BAE2-79FE-9972-A389-DAB5F1740E1B}"/>
-              </a:ext>
-            </a:extLst>
-          </p:cNvPr>
-          <p:cNvPicPr>
-            <a:picLocks noChangeAspect="1"/>
-          </p:cNvPicPr>
-          <p:nvPr/>
-        </p:nvPicPr>
-        <p:blipFill>
-          <a:blip r:embed="rId3">
-            <a:extLst>
-              <a:ext uri="{28A0092B-C50C-407E-A947-70E740481C1C}">
-                <a14:useLocalDpi xmlns:a14="http://schemas.microsoft.com/office/drawing/2010/main" val="0"/>
-              </a:ext>
-            </a:extLst>
-          </a:blip>
-          <a:stretch>
-            <a:fillRect/>
-          </a:stretch>
-        </p:blipFill>
-        <p:spPr>
-          <a:xfrm>
-            <a:off x="6884360" y="2394045"/>
-            <a:ext cx="5307640" cy="4463955"/>
-          </a:xfrm>
-          <a:prstGeom prst="rect">
-            <a:avLst/>
-          </a:prstGeom>
-        </p:spPr>
-      </p:pic>
-    </p:spTree>
-    <p:extLst>
-      <p:ext uri="{BB962C8B-B14F-4D97-AF65-F5344CB8AC3E}">
-        <p14:creationId xmlns:p14="http://schemas.microsoft.com/office/powerpoint/2010/main" val="2454311313"/>
-      </p:ext>
-    </p:extLst>
-  </p:cSld>
-  <p:clrMapOvr>
-    <a:masterClrMapping/>
-  </p:clrMapOvr>
-  <p:timing>
-    <p:tnLst>
-      <p:par>
-        <p:cTn id="1" dur="indefinite" restart="never" nodeType="tmRoot">
-          <p:childTnLst>
-            <p:seq concurrent="1" nextAc="seek">
-              <p:cTn id="2" dur="indefinite" nodeType="mainSeq">
-                <p:childTnLst>
-                  <p:par>
-                    <p:cTn id="3" fill="hold">
-                      <p:stCondLst>
-                        <p:cond delay="indefinite"/>
-                      </p:stCondLst>
-                      <p:childTnLst>
-                        <p:par>
-                          <p:cTn id="4" fill="hold">
-                            <p:stCondLst>
-                              <p:cond delay="0"/>
-                            </p:stCondLst>
-                            <p:childTnLst>
-                              <p:par>
-                                <p:cTn id="5" presetID="2" presetClass="entr" presetSubtype="4" fill="hold" grpId="0" nodeType="clickEffect">
-                                  <p:stCondLst>
-                                    <p:cond delay="0"/>
-                                  </p:stCondLst>
-                                  <p:childTnLst>
-                                    <p:set>
-                                      <p:cBhvr>
-                                        <p:cTn id="6" dur="1" fill="hold">
-                                          <p:stCondLst>
-                                            <p:cond delay="0"/>
-                                          </p:stCondLst>
-                                        </p:cTn>
-                                        <p:tgtEl>
-                                          <p:spTgt spid="2"/>
-                                        </p:tgtEl>
-                                        <p:attrNameLst>
-                                          <p:attrName>style.visibility</p:attrName>
-                                        </p:attrNameLst>
-                                      </p:cBhvr>
-                                      <p:to>
-                                        <p:strVal val="visible"/>
-                                      </p:to>
-                                    </p:set>
-                                    <p:anim calcmode="lin" valueType="num">
-                                      <p:cBhvr additive="base">
-                                        <p:cTn id="7" dur="500" fill="hold"/>
-                                        <p:tgtEl>
-                                          <p:spTgt spid="2"/>
-                                        </p:tgtEl>
-                                        <p:attrNameLst>
-                                          <p:attrName>ppt_x</p:attrName>
-                                        </p:attrNameLst>
-                                      </p:cBhvr>
-                                      <p:tavLst>
-                                        <p:tav tm="0">
-                                          <p:val>
-                                            <p:strVal val="#ppt_x"/>
-                                          </p:val>
-                                        </p:tav>
-                                        <p:tav tm="100000">
-                                          <p:val>
-                                            <p:strVal val="#ppt_x"/>
-                                          </p:val>
-                                        </p:tav>
-                                      </p:tavLst>
-                                    </p:anim>
-                                    <p:anim calcmode="lin" valueType="num">
-                                      <p:cBhvr additive="base">
-                                        <p:cTn id="8" dur="500" fill="hold"/>
-                                        <p:tgtEl>
-                                          <p:spTgt spid="2"/>
-                                        </p:tgtEl>
-                                        <p:attrNameLst>
-                                          <p:attrName>ppt_y</p:attrName>
-                                        </p:attrNameLst>
-                                      </p:cBhvr>
-                                      <p:tavLst>
-                                        <p:tav tm="0">
-                                          <p:val>
-                                            <p:strVal val="1+#ppt_h/2"/>
-                                          </p:val>
-                                        </p:tav>
-                                        <p:tav tm="100000">
-                                          <p:val>
-                                            <p:strVal val="#ppt_y"/>
-                                          </p:val>
-                                        </p:tav>
-                                      </p:tavLst>
-                                    </p:anim>
-                                  </p:childTnLst>
-                                </p:cTn>
-                              </p:par>
-                            </p:childTnLst>
-                          </p:cTn>
-                        </p:par>
-                      </p:childTnLst>
-                    </p:cTn>
-                  </p:par>
-                  <p:par>
-                    <p:cTn id="9" fill="hold">
-                      <p:stCondLst>
-                        <p:cond delay="indefinite"/>
-                      </p:stCondLst>
-                      <p:childTnLst>
-                        <p:par>
-                          <p:cTn id="10" fill="hold">
-                            <p:stCondLst>
-                              <p:cond delay="0"/>
-                            </p:stCondLst>
-                            <p:childTnLst>
-                              <p:par>
-                                <p:cTn id="11" presetID="42" presetClass="entr" presetSubtype="0" fill="hold" grpId="0" nodeType="clickEffect">
-                                  <p:stCondLst>
-                                    <p:cond delay="0"/>
-                                  </p:stCondLst>
-                                  <p:childTnLst>
-                                    <p:set>
-                                      <p:cBhvr>
-                                        <p:cTn id="12" dur="1" fill="hold">
-                                          <p:stCondLst>
-                                            <p:cond delay="0"/>
-                                          </p:stCondLst>
-                                        </p:cTn>
-                                        <p:tgtEl>
-                                          <p:spTgt spid="3">
-                                            <p:txEl>
-                                              <p:pRg st="0" end="0"/>
-                                            </p:txEl>
-                                          </p:spTgt>
-                                        </p:tgtEl>
-                                        <p:attrNameLst>
-                                          <p:attrName>style.visibility</p:attrName>
-                                        </p:attrNameLst>
-                                      </p:cBhvr>
-                                      <p:to>
-                                        <p:strVal val="visible"/>
-                                      </p:to>
-                                    </p:set>
-                                    <p:animEffect transition="in" filter="fade">
-                                      <p:cBhvr>
-                                        <p:cTn id="13" dur="1000"/>
-                                        <p:tgtEl>
-                                          <p:spTgt spid="3">
-                                            <p:txEl>
-                                              <p:pRg st="0" end="0"/>
-                                            </p:txEl>
-                                          </p:spTgt>
-                                        </p:tgtEl>
-                                      </p:cBhvr>
-                                    </p:animEffect>
-                                    <p:anim calcmode="lin" valueType="num">
-                                      <p:cBhvr>
-                                        <p:cTn id="14" dur="1000" fill="hold"/>
-                                        <p:tgtEl>
-                                          <p:spTgt spid="3">
-                                            <p:txEl>
-                                              <p:pRg st="0" end="0"/>
-                                            </p:txEl>
-                                          </p:spTgt>
-                                        </p:tgtEl>
-                                        <p:attrNameLst>
-                                          <p:attrName>ppt_x</p:attrName>
-                                        </p:attrNameLst>
-                                      </p:cBhvr>
-                                      <p:tavLst>
-                                        <p:tav tm="0">
-                                          <p:val>
-                                            <p:strVal val="#ppt_x"/>
-                                          </p:val>
-                                        </p:tav>
-                                        <p:tav tm="100000">
-                                          <p:val>
-                                            <p:strVal val="#ppt_x"/>
-                                          </p:val>
-                                        </p:tav>
-                                      </p:tavLst>
-                                    </p:anim>
-                                    <p:anim calcmode="lin" valueType="num">
-                                      <p:cBhvr>
-                                        <p:cTn id="15" dur="1000" fill="hold"/>
-                                        <p:tgtEl>
-                                          <p:spTgt spid="3">
-                                            <p:txEl>
-                                              <p:pRg st="0" end="0"/>
-                                            </p:txEl>
-                                          </p:spTgt>
-                                        </p:tgtEl>
-                                        <p:attrNameLst>
-                                          <p:attrName>ppt_y</p:attrName>
-                                        </p:attrNameLst>
-                                      </p:cBhvr>
-                                      <p:tavLst>
-                                        <p:tav tm="0">
-                                          <p:val>
-                                            <p:strVal val="#ppt_y+.1"/>
-                                          </p:val>
-                                        </p:tav>
-                                        <p:tav tm="100000">
-                                          <p:val>
-                                            <p:strVal val="#ppt_y"/>
-                                          </p:val>
-                                        </p:tav>
-                                      </p:tavLst>
-                                    </p:anim>
-                                  </p:childTnLst>
-                                </p:cTn>
-                              </p:par>
-                            </p:childTnLst>
-                          </p:cTn>
-                        </p:par>
-                      </p:childTnLst>
-                    </p:cTn>
-                  </p:par>
-                  <p:par>
-                    <p:cTn id="16" fill="hold">
-                      <p:stCondLst>
-                        <p:cond delay="indefinite"/>
-                      </p:stCondLst>
-                      <p:childTnLst>
-                        <p:par>
-                          <p:cTn id="17" fill="hold">
-                            <p:stCondLst>
-                              <p:cond delay="0"/>
-                            </p:stCondLst>
-                            <p:childTnLst>
-                              <p:par>
-                                <p:cTn id="18" presetID="42" presetClass="entr" presetSubtype="0" fill="hold" grpId="0" nodeType="clickEffect">
-                                  <p:stCondLst>
-                                    <p:cond delay="0"/>
-                                  </p:stCondLst>
-                                  <p:childTnLst>
-                                    <p:set>
-                                      <p:cBhvr>
-                                        <p:cTn id="19" dur="1" fill="hold">
-                                          <p:stCondLst>
-                                            <p:cond delay="0"/>
-                                          </p:stCondLst>
-                                        </p:cTn>
-                                        <p:tgtEl>
-                                          <p:spTgt spid="3">
-                                            <p:txEl>
-                                              <p:pRg st="1" end="1"/>
-                                            </p:txEl>
-                                          </p:spTgt>
-                                        </p:tgtEl>
-                                        <p:attrNameLst>
-                                          <p:attrName>style.visibility</p:attrName>
-                                        </p:attrNameLst>
-                                      </p:cBhvr>
-                                      <p:to>
-                                        <p:strVal val="visible"/>
-                                      </p:to>
-                                    </p:set>
-                                    <p:animEffect transition="in" filter="fade">
-                                      <p:cBhvr>
-                                        <p:cTn id="20" dur="1000"/>
-                                        <p:tgtEl>
-                                          <p:spTgt spid="3">
-                                            <p:txEl>
-                                              <p:pRg st="1" end="1"/>
-                                            </p:txEl>
-                                          </p:spTgt>
-                                        </p:tgtEl>
-                                      </p:cBhvr>
-                                    </p:animEffect>
-                                    <p:anim calcmode="lin" valueType="num">
-                                      <p:cBhvr>
-                                        <p:cTn id="21" dur="1000" fill="hold"/>
-                                        <p:tgtEl>
-                                          <p:spTgt spid="3">
-                                            <p:txEl>
-                                              <p:pRg st="1" end="1"/>
-                                            </p:txEl>
-                                          </p:spTgt>
-                                        </p:tgtEl>
-                                        <p:attrNameLst>
-                                          <p:attrName>ppt_x</p:attrName>
-                                        </p:attrNameLst>
-                                      </p:cBhvr>
-                                      <p:tavLst>
-                                        <p:tav tm="0">
-                                          <p:val>
-                                            <p:strVal val="#ppt_x"/>
-                                          </p:val>
-                                        </p:tav>
-                                        <p:tav tm="100000">
-                                          <p:val>
-                                            <p:strVal val="#ppt_x"/>
-                                          </p:val>
-                                        </p:tav>
-                                      </p:tavLst>
-                                    </p:anim>
-                                    <p:anim calcmode="lin" valueType="num">
-                                      <p:cBhvr>
-                                        <p:cTn id="22" dur="1000" fill="hold"/>
-                                        <p:tgtEl>
-                                          <p:spTgt spid="3">
-                                            <p:txEl>
-                                              <p:pRg st="1" end="1"/>
-                                            </p:txEl>
-                                          </p:spTgt>
-                                        </p:tgtEl>
-                                        <p:attrNameLst>
-                                          <p:attrName>ppt_y</p:attrName>
-                                        </p:attrNameLst>
-                                      </p:cBhvr>
-                                      <p:tavLst>
-                                        <p:tav tm="0">
-                                          <p:val>
-                                            <p:strVal val="#ppt_y+.1"/>
-                                          </p:val>
-                                        </p:tav>
-                                        <p:tav tm="100000">
-                                          <p:val>
-                                            <p:strVal val="#ppt_y"/>
-                                          </p:val>
-                                        </p:tav>
-                                      </p:tavLst>
-                                    </p:anim>
-                                  </p:childTnLst>
-                                </p:cTn>
-                              </p:par>
-                            </p:childTnLst>
-                          </p:cTn>
-                        </p:par>
-                      </p:childTnLst>
-                    </p:cTn>
-                  </p:par>
-                  <p:par>
-                    <p:cTn id="23" fill="hold">
-                      <p:stCondLst>
-                        <p:cond delay="indefinite"/>
-                      </p:stCondLst>
-                      <p:childTnLst>
-                        <p:par>
-                          <p:cTn id="24" fill="hold">
-                            <p:stCondLst>
-                              <p:cond delay="0"/>
-                            </p:stCondLst>
-                            <p:childTnLst>
-                              <p:par>
-                                <p:cTn id="25" presetID="42" presetClass="entr" presetSubtype="0" fill="hold" grpId="0" nodeType="clickEffect">
-                                  <p:stCondLst>
-                                    <p:cond delay="0"/>
-                                  </p:stCondLst>
-                                  <p:childTnLst>
-                                    <p:set>
-                                      <p:cBhvr>
-                                        <p:cTn id="26" dur="1" fill="hold">
-                                          <p:stCondLst>
-                                            <p:cond delay="0"/>
-                                          </p:stCondLst>
-                                        </p:cTn>
-                                        <p:tgtEl>
-                                          <p:spTgt spid="3">
-                                            <p:txEl>
-                                              <p:pRg st="2" end="2"/>
-                                            </p:txEl>
-                                          </p:spTgt>
-                                        </p:tgtEl>
-                                        <p:attrNameLst>
-                                          <p:attrName>style.visibility</p:attrName>
-                                        </p:attrNameLst>
-                                      </p:cBhvr>
-                                      <p:to>
-                                        <p:strVal val="visible"/>
-                                      </p:to>
-                                    </p:set>
-                                    <p:animEffect transition="in" filter="fade">
-                                      <p:cBhvr>
-                                        <p:cTn id="27" dur="1000"/>
-                                        <p:tgtEl>
-                                          <p:spTgt spid="3">
-                                            <p:txEl>
-                                              <p:pRg st="2" end="2"/>
-                                            </p:txEl>
-                                          </p:spTgt>
-                                        </p:tgtEl>
-                                      </p:cBhvr>
-                                    </p:animEffect>
-                                    <p:anim calcmode="lin" valueType="num">
-                                      <p:cBhvr>
-                                        <p:cTn id="28" dur="1000" fill="hold"/>
-                                        <p:tgtEl>
-                                          <p:spTgt spid="3">
-                                            <p:txEl>
-                                              <p:pRg st="2" end="2"/>
-                                            </p:txEl>
-                                          </p:spTgt>
-                                        </p:tgtEl>
-                                        <p:attrNameLst>
-                                          <p:attrName>ppt_x</p:attrName>
-                                        </p:attrNameLst>
-                                      </p:cBhvr>
-                                      <p:tavLst>
-                                        <p:tav tm="0">
-                                          <p:val>
-                                            <p:strVal val="#ppt_x"/>
-                                          </p:val>
-                                        </p:tav>
-                                        <p:tav tm="100000">
-                                          <p:val>
-                                            <p:strVal val="#ppt_x"/>
-                                          </p:val>
-                                        </p:tav>
-                                      </p:tavLst>
-                                    </p:anim>
-                                    <p:anim calcmode="lin" valueType="num">
-                                      <p:cBhvr>
-                                        <p:cTn id="29" dur="1000" fill="hold"/>
-                                        <p:tgtEl>
-                                          <p:spTgt spid="3">
-                                            <p:txEl>
-                                              <p:pRg st="2" end="2"/>
-                                            </p:txEl>
-                                          </p:spTgt>
-                                        </p:tgtEl>
-                                        <p:attrNameLst>
-                                          <p:attrName>ppt_y</p:attrName>
-                                        </p:attrNameLst>
-                                      </p:cBhvr>
-                                      <p:tavLst>
-                                        <p:tav tm="0">
-                                          <p:val>
-                                            <p:strVal val="#ppt_y+.1"/>
-                                          </p:val>
-                                        </p:tav>
-                                        <p:tav tm="100000">
-                                          <p:val>
-                                            <p:strVal val="#ppt_y"/>
-                                          </p:val>
-                                        </p:tav>
-                                      </p:tavLst>
-                                    </p:anim>
-                                  </p:childTnLst>
-                                </p:cTn>
-                              </p:par>
-                            </p:childTnLst>
-                          </p:cTn>
-                        </p:par>
-                      </p:childTnLst>
-                    </p:cTn>
-                  </p:par>
-                  <p:par>
-                    <p:cTn id="30" fill="hold">
-                      <p:stCondLst>
-                        <p:cond delay="indefinite"/>
-                      </p:stCondLst>
-                      <p:childTnLst>
-                        <p:par>
-                          <p:cTn id="31" fill="hold">
-                            <p:stCondLst>
-                              <p:cond delay="0"/>
-                            </p:stCondLst>
-                            <p:childTnLst>
-                              <p:par>
-                                <p:cTn id="32" presetID="42" presetClass="entr" presetSubtype="0" fill="hold" grpId="0" nodeType="clickEffect">
-                                  <p:stCondLst>
-                                    <p:cond delay="0"/>
-                                  </p:stCondLst>
-                                  <p:childTnLst>
-                                    <p:set>
-                                      <p:cBhvr>
-                                        <p:cTn id="33" dur="1" fill="hold">
-                                          <p:stCondLst>
-                                            <p:cond delay="0"/>
-                                          </p:stCondLst>
-                                        </p:cTn>
-                                        <p:tgtEl>
-                                          <p:spTgt spid="3">
-                                            <p:txEl>
-                                              <p:pRg st="3" end="3"/>
-                                            </p:txEl>
-                                          </p:spTgt>
-                                        </p:tgtEl>
-                                        <p:attrNameLst>
-                                          <p:attrName>style.visibility</p:attrName>
-                                        </p:attrNameLst>
-                                      </p:cBhvr>
-                                      <p:to>
-                                        <p:strVal val="visible"/>
-                                      </p:to>
-                                    </p:set>
-                                    <p:animEffect transition="in" filter="fade">
-                                      <p:cBhvr>
-                                        <p:cTn id="34" dur="1000"/>
-                                        <p:tgtEl>
-                                          <p:spTgt spid="3">
-                                            <p:txEl>
-                                              <p:pRg st="3" end="3"/>
-                                            </p:txEl>
-                                          </p:spTgt>
-                                        </p:tgtEl>
-                                      </p:cBhvr>
-                                    </p:animEffect>
-                                    <p:anim calcmode="lin" valueType="num">
-                                      <p:cBhvr>
-                                        <p:cTn id="35" dur="1000" fill="hold"/>
-                                        <p:tgtEl>
-                                          <p:spTgt spid="3">
-                                            <p:txEl>
-                                              <p:pRg st="3" end="3"/>
-                                            </p:txEl>
-                                          </p:spTgt>
-                                        </p:tgtEl>
-                                        <p:attrNameLst>
-                                          <p:attrName>ppt_x</p:attrName>
-                                        </p:attrNameLst>
-                                      </p:cBhvr>
-                                      <p:tavLst>
-                                        <p:tav tm="0">
-                                          <p:val>
-                                            <p:strVal val="#ppt_x"/>
-                                          </p:val>
-                                        </p:tav>
-                                        <p:tav tm="100000">
-                                          <p:val>
-                                            <p:strVal val="#ppt_x"/>
-                                          </p:val>
-                                        </p:tav>
-                                      </p:tavLst>
-                                    </p:anim>
-                                    <p:anim calcmode="lin" valueType="num">
-                                      <p:cBhvr>
-                                        <p:cTn id="36" dur="1000" fill="hold"/>
-                                        <p:tgtEl>
-                                          <p:spTgt spid="3">
-                                            <p:txEl>
-                                              <p:pRg st="3" end="3"/>
-                                            </p:txEl>
-                                          </p:spTgt>
-                                        </p:tgtEl>
-                                        <p:attrNameLst>
-                                          <p:attrName>ppt_y</p:attrName>
-                                        </p:attrNameLst>
-                                      </p:cBhvr>
-                                      <p:tavLst>
-                                        <p:tav tm="0">
-                                          <p:val>
-                                            <p:strVal val="#ppt_y+.1"/>
-                                          </p:val>
-                                        </p:tav>
-                                        <p:tav tm="100000">
-                                          <p:val>
-                                            <p:strVal val="#ppt_y"/>
-                                          </p:val>
-                                        </p:tav>
-                                      </p:tavLst>
-                                    </p:anim>
-                                  </p:childTnLst>
-                                </p:cTn>
-                              </p:par>
-                            </p:childTnLst>
-                          </p:cTn>
-                        </p:par>
-                      </p:childTnLst>
-                    </p:cTn>
-                  </p:par>
-                  <p:par>
-                    <p:cTn id="37" fill="hold">
-                      <p:stCondLst>
-                        <p:cond delay="indefinite"/>
-                      </p:stCondLst>
-                      <p:childTnLst>
-                        <p:par>
-                          <p:cTn id="38" fill="hold">
-                            <p:stCondLst>
-                              <p:cond delay="0"/>
-                            </p:stCondLst>
-                            <p:childTnLst>
-                              <p:par>
-                                <p:cTn id="39" presetID="42" presetClass="entr" presetSubtype="0" fill="hold" nodeType="clickEffect">
-                                  <p:stCondLst>
-                                    <p:cond delay="0"/>
-                                  </p:stCondLst>
-                                  <p:childTnLst>
-                                    <p:set>
-                                      <p:cBhvr>
-                                        <p:cTn id="40" dur="1" fill="hold">
-                                          <p:stCondLst>
-                                            <p:cond delay="0"/>
-                                          </p:stCondLst>
-                                        </p:cTn>
-                                        <p:tgtEl>
-                                          <p:spTgt spid="8"/>
-                                        </p:tgtEl>
-                                        <p:attrNameLst>
-                                          <p:attrName>style.visibility</p:attrName>
-                                        </p:attrNameLst>
-                                      </p:cBhvr>
-                                      <p:to>
-                                        <p:strVal val="visible"/>
-                                      </p:to>
-                                    </p:set>
-                                    <p:animEffect transition="in" filter="fade">
-                                      <p:cBhvr>
-                                        <p:cTn id="41" dur="1000"/>
-                                        <p:tgtEl>
-                                          <p:spTgt spid="8"/>
-                                        </p:tgtEl>
-                                      </p:cBhvr>
-                                    </p:animEffect>
-                                    <p:anim calcmode="lin" valueType="num">
-                                      <p:cBhvr>
-                                        <p:cTn id="42" dur="1000" fill="hold"/>
-                                        <p:tgtEl>
-                                          <p:spTgt spid="8"/>
-                                        </p:tgtEl>
-                                        <p:attrNameLst>
-                                          <p:attrName>ppt_x</p:attrName>
-                                        </p:attrNameLst>
-                                      </p:cBhvr>
-                                      <p:tavLst>
-                                        <p:tav tm="0">
-                                          <p:val>
-                                            <p:strVal val="#ppt_x"/>
-                                          </p:val>
-                                        </p:tav>
-                                        <p:tav tm="100000">
-                                          <p:val>
-                                            <p:strVal val="#ppt_x"/>
-                                          </p:val>
-                                        </p:tav>
-                                      </p:tavLst>
-                                    </p:anim>
-                                    <p:anim calcmode="lin" valueType="num">
-                                      <p:cBhvr>
-                                        <p:cTn id="43" dur="1000" fill="hold"/>
-                                        <p:tgtEl>
-                                          <p:spTgt spid="8"/>
-                                        </p:tgtEl>
-                                        <p:attrNameLst>
-                                          <p:attrName>ppt_y</p:attrName>
-                                        </p:attrNameLst>
-                                      </p:cBhvr>
-                                      <p:tavLst>
-                                        <p:tav tm="0">
-                                          <p:val>
-                                            <p:strVal val="#ppt_y+.1"/>
-                                          </p:val>
-                                        </p:tav>
-                                        <p:tav tm="100000">
-                                          <p:val>
-                                            <p:strVal val="#ppt_y"/>
-                                          </p:val>
-                                        </p:tav>
-                                      </p:tavLst>
-                                    </p:anim>
-                                  </p:childTnLst>
-                                </p:cTn>
-                              </p:par>
-                            </p:childTnLst>
-                          </p:cTn>
-                        </p:par>
-                      </p:childTnLst>
-                    </p:cTn>
-                  </p:par>
-                  <p:par>
-                    <p:cTn id="44" fill="hold">
-                      <p:stCondLst>
-                        <p:cond delay="indefinite"/>
-                      </p:stCondLst>
-                      <p:childTnLst>
-                        <p:par>
-                          <p:cTn id="45" fill="hold">
-                            <p:stCondLst>
-                              <p:cond delay="0"/>
-                            </p:stCondLst>
-                            <p:childTnLst>
-                              <p:par>
-                                <p:cTn id="46" presetID="42" presetClass="entr" presetSubtype="0" fill="hold" nodeType="clickEffect">
-                                  <p:stCondLst>
-                                    <p:cond delay="0"/>
-                                  </p:stCondLst>
-                                  <p:childTnLst>
-                                    <p:set>
-                                      <p:cBhvr>
-                                        <p:cTn id="47" dur="1" fill="hold">
-                                          <p:stCondLst>
-                                            <p:cond delay="0"/>
-                                          </p:stCondLst>
-                                        </p:cTn>
-                                        <p:tgtEl>
-                                          <p:spTgt spid="10"/>
-                                        </p:tgtEl>
-                                        <p:attrNameLst>
-                                          <p:attrName>style.visibility</p:attrName>
-                                        </p:attrNameLst>
-                                      </p:cBhvr>
-                                      <p:to>
-                                        <p:strVal val="visible"/>
-                                      </p:to>
-                                    </p:set>
-                                    <p:animEffect transition="in" filter="fade">
-                                      <p:cBhvr>
-                                        <p:cTn id="48" dur="1000"/>
-                                        <p:tgtEl>
-                                          <p:spTgt spid="10"/>
-                                        </p:tgtEl>
-                                      </p:cBhvr>
-                                    </p:animEffect>
-                                    <p:anim calcmode="lin" valueType="num">
-                                      <p:cBhvr>
-                                        <p:cTn id="49" dur="1000" fill="hold"/>
-                                        <p:tgtEl>
-                                          <p:spTgt spid="10"/>
-                                        </p:tgtEl>
-                                        <p:attrNameLst>
-                                          <p:attrName>ppt_x</p:attrName>
-                                        </p:attrNameLst>
-                                      </p:cBhvr>
-                                      <p:tavLst>
-                                        <p:tav tm="0">
-                                          <p:val>
-                                            <p:strVal val="#ppt_x"/>
-                                          </p:val>
-                                        </p:tav>
-                                        <p:tav tm="100000">
-                                          <p:val>
-                                            <p:strVal val="#ppt_x"/>
-                                          </p:val>
-                                        </p:tav>
-                                      </p:tavLst>
-                                    </p:anim>
-                                    <p:anim calcmode="lin" valueType="num">
-                                      <p:cBhvr>
-                                        <p:cTn id="50" dur="1000" fill="hold"/>
-                                        <p:tgtEl>
-                                          <p:spTgt spid="10"/>
-                                        </p:tgtEl>
-                                        <p:attrNameLst>
-                                          <p:attrName>ppt_y</p:attrName>
-                                        </p:attrNameLst>
-                                      </p:cBhvr>
-                                      <p:tavLst>
-                                        <p:tav tm="0">
-                                          <p:val>
-                                            <p:strVal val="#ppt_y+.1"/>
-                                          </p:val>
-                                        </p:tav>
-                                        <p:tav tm="100000">
-                                          <p:val>
-                                            <p:strVal val="#ppt_y"/>
-                                          </p:val>
-                                        </p:tav>
-                                      </p:tavLst>
-                                    </p:anim>
-                                  </p:childTnLst>
-                                </p:cTn>
-                              </p:par>
-                            </p:childTnLst>
-                          </p:cTn>
-                        </p:par>
-                      </p:childTnLst>
-                    </p:cTn>
-                  </p:par>
-                </p:childTnLst>
-              </p:cTn>
-              <p:prevCondLst>
-                <p:cond evt="onPrev" delay="0">
-                  <p:tgtEl>
-                    <p:sldTgt/>
-                  </p:tgtEl>
-                </p:cond>
-              </p:prevCondLst>
-              <p:nextCondLst>
-                <p:cond evt="onNext" delay="0">
-                  <p:tgtEl>
-                    <p:sldTgt/>
-                  </p:tgtEl>
-                </p:cond>
-              </p:nextCondLst>
-            </p:seq>
-          </p:childTnLst>
-        </p:cTn>
-      </p:par>
-    </p:tnLst>
-    <p:bldLst>
-      <p:bldP spid="2" grpId="0"/>
-      <p:bldP spid="3" grpId="0" build="p"/>
-    </p:bldLst>
-  </p:timing>
-</p:sld>
-</file>
-
-<file path=ppt/slides/slide5.xml><?xml version="1.0" encoding="utf-8"?>
 <p:sld xmlns:a="http://schemas.openxmlformats.org/drawingml/2006/main" xmlns:r="http://schemas.openxmlformats.org/officeDocument/2006/relationships" xmlns:p="http://schemas.openxmlformats.org/presentationml/2006/main">
   <p:cSld>
     <p:spTree>
@@ -15922,7 +14237,7 @@
         </p:spPr>
         <p:txBody>
           <a:bodyPr>
-            <a:normAutofit fontScale="92500" lnSpcReduction="20000"/>
+            <a:normAutofit/>
           </a:bodyPr>
           <a:lstStyle/>
           <a:p>
@@ -15996,50 +14311,28 @@
           <a:p>
             <a:r>
               <a:rPr lang="en-IN" dirty="0"/>
-              <a:t>Docker </a:t>
+              <a:t>Docker Volumes </a:t>
             </a:r>
             <a:r>
-              <a:rPr lang="en-IN"/>
-              <a:t>Volumes </a:t>
-            </a:r>
-            <a:r>
-              <a:rPr lang="en-IN">
+              <a:rPr lang="en-IN" dirty="0">
                 <a:hlinkClick r:id="rId5"/>
               </a:rPr>
               <a:t>–</a:t>
             </a:r>
             <a:r>
-              <a:rPr lang="en-IN"/>
+              <a:rPr lang="en-IN" dirty="0"/>
               <a:t> </a:t>
             </a:r>
             <a:br>
-              <a:rPr lang="en-IN"/>
+              <a:rPr lang="en-IN" dirty="0"/>
             </a:br>
-            <a:r>
-              <a:rPr lang="en-IN">
-                <a:hlinkClick r:id="rId5"/>
-              </a:rPr>
-              <a:t>https</a:t>
-            </a:r>
             <a:r>
               <a:rPr lang="en-IN" dirty="0">
                 <a:hlinkClick r:id="rId5"/>
               </a:rPr>
-              <a:t>://docs.docker.com/storage/volumes/</a:t>
+              <a:t>https://docs.docker.com/storage/volumes/</a:t>
             </a:r>
             <a:endParaRPr lang="en-IN" dirty="0"/>
-          </a:p>
-          <a:p>
-            <a:r>
-              <a:rPr lang="en-IN" dirty="0"/>
-              <a:t>Docker Networks</a:t>
-            </a:r>
-          </a:p>
-          <a:p>
-            <a:r>
-              <a:rPr lang="en-IN" dirty="0"/>
-              <a:t>Docker Compose Details</a:t>
-            </a:r>
           </a:p>
           <a:p>
             <a:endParaRPr lang="en-IN" dirty="0"/>
